--- a/assets uarm/2023 1 UarmPCrit/Kant - Doctrina del Derecho.pptx
+++ b/assets uarm/2023 1 UarmPCrit/Kant - Doctrina del Derecho.pptx
@@ -290,7 +290,7 @@
           <a:p>
             <a:fld id="{E66BC72F-45A4-4885-98CF-CAA0E404D566}" type="datetimeFigureOut">
               <a:rPr lang="es-PE" smtClean="0"/>
-              <a:t>29/06/2023</a:t>
+              <a:t>6/07/2023</a:t>
             </a:fld>
             <a:endParaRPr lang="es-PE"/>
           </a:p>
@@ -460,7 +460,7 @@
           <a:p>
             <a:fld id="{E66BC72F-45A4-4885-98CF-CAA0E404D566}" type="datetimeFigureOut">
               <a:rPr lang="es-PE" smtClean="0"/>
-              <a:t>29/06/2023</a:t>
+              <a:t>6/07/2023</a:t>
             </a:fld>
             <a:endParaRPr lang="es-PE"/>
           </a:p>
@@ -640,7 +640,7 @@
           <a:p>
             <a:fld id="{E66BC72F-45A4-4885-98CF-CAA0E404D566}" type="datetimeFigureOut">
               <a:rPr lang="es-PE" smtClean="0"/>
-              <a:t>29/06/2023</a:t>
+              <a:t>6/07/2023</a:t>
             </a:fld>
             <a:endParaRPr lang="es-PE"/>
           </a:p>
@@ -810,7 +810,7 @@
           <a:p>
             <a:fld id="{E66BC72F-45A4-4885-98CF-CAA0E404D566}" type="datetimeFigureOut">
               <a:rPr lang="es-PE" smtClean="0"/>
-              <a:t>29/06/2023</a:t>
+              <a:t>6/07/2023</a:t>
             </a:fld>
             <a:endParaRPr lang="es-PE"/>
           </a:p>
@@ -1056,7 +1056,7 @@
           <a:p>
             <a:fld id="{E66BC72F-45A4-4885-98CF-CAA0E404D566}" type="datetimeFigureOut">
               <a:rPr lang="es-PE" smtClean="0"/>
-              <a:t>29/06/2023</a:t>
+              <a:t>6/07/2023</a:t>
             </a:fld>
             <a:endParaRPr lang="es-PE"/>
           </a:p>
@@ -1288,7 +1288,7 @@
           <a:p>
             <a:fld id="{E66BC72F-45A4-4885-98CF-CAA0E404D566}" type="datetimeFigureOut">
               <a:rPr lang="es-PE" smtClean="0"/>
-              <a:t>29/06/2023</a:t>
+              <a:t>6/07/2023</a:t>
             </a:fld>
             <a:endParaRPr lang="es-PE"/>
           </a:p>
@@ -1655,7 +1655,7 @@
           <a:p>
             <a:fld id="{E66BC72F-45A4-4885-98CF-CAA0E404D566}" type="datetimeFigureOut">
               <a:rPr lang="es-PE" smtClean="0"/>
-              <a:t>29/06/2023</a:t>
+              <a:t>6/07/2023</a:t>
             </a:fld>
             <a:endParaRPr lang="es-PE"/>
           </a:p>
@@ -1773,7 +1773,7 @@
           <a:p>
             <a:fld id="{E66BC72F-45A4-4885-98CF-CAA0E404D566}" type="datetimeFigureOut">
               <a:rPr lang="es-PE" smtClean="0"/>
-              <a:t>29/06/2023</a:t>
+              <a:t>6/07/2023</a:t>
             </a:fld>
             <a:endParaRPr lang="es-PE"/>
           </a:p>
@@ -1868,7 +1868,7 @@
           <a:p>
             <a:fld id="{E66BC72F-45A4-4885-98CF-CAA0E404D566}" type="datetimeFigureOut">
               <a:rPr lang="es-PE" smtClean="0"/>
-              <a:t>29/06/2023</a:t>
+              <a:t>6/07/2023</a:t>
             </a:fld>
             <a:endParaRPr lang="es-PE"/>
           </a:p>
@@ -2145,7 +2145,7 @@
           <a:p>
             <a:fld id="{E66BC72F-45A4-4885-98CF-CAA0E404D566}" type="datetimeFigureOut">
               <a:rPr lang="es-PE" smtClean="0"/>
-              <a:t>29/06/2023</a:t>
+              <a:t>6/07/2023</a:t>
             </a:fld>
             <a:endParaRPr lang="es-PE"/>
           </a:p>
@@ -2398,7 +2398,7 @@
           <a:p>
             <a:fld id="{E66BC72F-45A4-4885-98CF-CAA0E404D566}" type="datetimeFigureOut">
               <a:rPr lang="es-PE" smtClean="0"/>
-              <a:t>29/06/2023</a:t>
+              <a:t>6/07/2023</a:t>
             </a:fld>
             <a:endParaRPr lang="es-PE"/>
           </a:p>
@@ -2611,7 +2611,7 @@
           <a:p>
             <a:fld id="{E66BC72F-45A4-4885-98CF-CAA0E404D566}" type="datetimeFigureOut">
               <a:rPr lang="es-PE" smtClean="0"/>
-              <a:t>29/06/2023</a:t>
+              <a:t>6/07/2023</a:t>
             </a:fld>
             <a:endParaRPr lang="es-PE"/>
           </a:p>
@@ -4878,11 +4878,7 @@
             </a:r>
             <a:r>
               <a:rPr lang="es-PE" dirty="0" smtClean="0"/>
-              <a:t> (Estado debe brindar libertad a todos</a:t>
-            </a:r>
-            <a:r>
-              <a:rPr lang="es-PE" dirty="0" smtClean="0"/>
-              <a:t>)</a:t>
+              <a:t> (Estado debe brindar libertad a todos)</a:t>
             </a:r>
           </a:p>
           <a:p>
@@ -4901,15 +4897,7 @@
                   <a:srgbClr val="FF0000"/>
                 </a:solidFill>
               </a:rPr>
-              <a:t>Finalidad </a:t>
-            </a:r>
-            <a:r>
-              <a:rPr lang="es-PE" dirty="0" smtClean="0">
-                <a:solidFill>
-                  <a:srgbClr val="FF0000"/>
-                </a:solidFill>
-              </a:rPr>
-              <a:t>del estado </a:t>
+              <a:t>Finalidad del estado </a:t>
             </a:r>
             <a:r>
               <a:rPr lang="es-PE" dirty="0" smtClean="0"/>
@@ -4952,11 +4940,7 @@
             </a:pPr>
             <a:r>
               <a:rPr lang="es-PE" dirty="0" smtClean="0"/>
-              <a:t>Estado </a:t>
-            </a:r>
-            <a:r>
-              <a:rPr lang="es-PE" dirty="0" smtClean="0"/>
-              <a:t>= resultado de exigencia de </a:t>
+              <a:t>Estado = resultado de exigencia de </a:t>
             </a:r>
             <a:r>
               <a:rPr lang="es-PE" dirty="0" err="1" smtClean="0"/>
@@ -4979,11 +4963,7 @@
             </a:pPr>
             <a:r>
               <a:rPr lang="es-PE" dirty="0" smtClean="0"/>
-              <a:t>Leyes </a:t>
-            </a:r>
-            <a:r>
-              <a:rPr lang="es-PE" dirty="0" smtClean="0"/>
-              <a:t>naturales (en general, como en las ciencias) = </a:t>
+              <a:t>Leyes naturales (en general, como en las ciencias) = </a:t>
             </a:r>
             <a:r>
               <a:rPr lang="es-PE" i="1" dirty="0" smtClean="0"/>
@@ -5080,11 +5060,7 @@
             </a:r>
             <a:r>
               <a:rPr lang="es-PE" dirty="0" smtClean="0"/>
-              <a:t> </a:t>
-            </a:r>
-            <a:r>
-              <a:rPr lang="es-PE" dirty="0" smtClean="0"/>
-              <a:t>civiles</a:t>
+              <a:t> civiles</a:t>
             </a:r>
           </a:p>
           <a:p>
@@ -16702,11 +16678,7 @@
             </a:r>
             <a:r>
               <a:rPr lang="es-PE" dirty="0" smtClean="0"/>
-              <a:t> inherente a lo humano, innato. </a:t>
-            </a:r>
-            <a:r>
-              <a:rPr lang="es-PE" dirty="0" smtClean="0"/>
-              <a:t>Para </a:t>
+              <a:t> inherente a lo humano, innato. Para </a:t>
             </a:r>
             <a:r>
               <a:rPr lang="es-PE" dirty="0"/>
@@ -16714,11 +16686,7 @@
             </a:r>
             <a:r>
               <a:rPr lang="es-PE" dirty="0" smtClean="0"/>
-              <a:t>formal, a </a:t>
-            </a:r>
-            <a:r>
-              <a:rPr lang="es-PE" dirty="0" smtClean="0"/>
-              <a:t>priori, de la razón) </a:t>
+              <a:t>formal, a priori, de la razón) </a:t>
             </a:r>
           </a:p>
           <a:p>
@@ -16748,11 +16716,7 @@
             </a:r>
             <a:r>
               <a:rPr lang="es-PE" dirty="0" smtClean="0"/>
-              <a:t>-positivismo, Bentham, Austin) </a:t>
-            </a:r>
-            <a:r>
-              <a:rPr lang="es-PE" dirty="0" smtClean="0"/>
-              <a:t>(hábitos y </a:t>
+              <a:t>-positivismo, Bentham, Austin) (hábitos y </a:t>
             </a:r>
             <a:r>
               <a:rPr lang="es-PE" dirty="0" smtClean="0">
@@ -16785,11 +16749,7 @@
             </a:pPr>
             <a:r>
               <a:rPr lang="es-PE" dirty="0" smtClean="0"/>
-              <a:t>Fundamento </a:t>
-            </a:r>
-            <a:r>
-              <a:rPr lang="es-PE" dirty="0" smtClean="0"/>
-              <a:t>del derecho: legalidad. </a:t>
+              <a:t>Fundamento del derecho: legalidad. </a:t>
             </a:r>
           </a:p>
           <a:p>

--- a/assets uarm/2023 1 UarmPCrit/Kant - Doctrina del Derecho.pptx
+++ b/assets uarm/2023 1 UarmPCrit/Kant - Doctrina del Derecho.pptx
@@ -290,7 +290,7 @@
           <a:p>
             <a:fld id="{E66BC72F-45A4-4885-98CF-CAA0E404D566}" type="datetimeFigureOut">
               <a:rPr lang="es-PE" smtClean="0"/>
-              <a:t>6/07/2023</a:t>
+              <a:t>2/11/2023</a:t>
             </a:fld>
             <a:endParaRPr lang="es-PE"/>
           </a:p>
@@ -460,7 +460,7 @@
           <a:p>
             <a:fld id="{E66BC72F-45A4-4885-98CF-CAA0E404D566}" type="datetimeFigureOut">
               <a:rPr lang="es-PE" smtClean="0"/>
-              <a:t>6/07/2023</a:t>
+              <a:t>2/11/2023</a:t>
             </a:fld>
             <a:endParaRPr lang="es-PE"/>
           </a:p>
@@ -640,7 +640,7 @@
           <a:p>
             <a:fld id="{E66BC72F-45A4-4885-98CF-CAA0E404D566}" type="datetimeFigureOut">
               <a:rPr lang="es-PE" smtClean="0"/>
-              <a:t>6/07/2023</a:t>
+              <a:t>2/11/2023</a:t>
             </a:fld>
             <a:endParaRPr lang="es-PE"/>
           </a:p>
@@ -810,7 +810,7 @@
           <a:p>
             <a:fld id="{E66BC72F-45A4-4885-98CF-CAA0E404D566}" type="datetimeFigureOut">
               <a:rPr lang="es-PE" smtClean="0"/>
-              <a:t>6/07/2023</a:t>
+              <a:t>2/11/2023</a:t>
             </a:fld>
             <a:endParaRPr lang="es-PE"/>
           </a:p>
@@ -1056,7 +1056,7 @@
           <a:p>
             <a:fld id="{E66BC72F-45A4-4885-98CF-CAA0E404D566}" type="datetimeFigureOut">
               <a:rPr lang="es-PE" smtClean="0"/>
-              <a:t>6/07/2023</a:t>
+              <a:t>2/11/2023</a:t>
             </a:fld>
             <a:endParaRPr lang="es-PE"/>
           </a:p>
@@ -1288,7 +1288,7 @@
           <a:p>
             <a:fld id="{E66BC72F-45A4-4885-98CF-CAA0E404D566}" type="datetimeFigureOut">
               <a:rPr lang="es-PE" smtClean="0"/>
-              <a:t>6/07/2023</a:t>
+              <a:t>2/11/2023</a:t>
             </a:fld>
             <a:endParaRPr lang="es-PE"/>
           </a:p>
@@ -1655,7 +1655,7 @@
           <a:p>
             <a:fld id="{E66BC72F-45A4-4885-98CF-CAA0E404D566}" type="datetimeFigureOut">
               <a:rPr lang="es-PE" smtClean="0"/>
-              <a:t>6/07/2023</a:t>
+              <a:t>2/11/2023</a:t>
             </a:fld>
             <a:endParaRPr lang="es-PE"/>
           </a:p>
@@ -1773,7 +1773,7 @@
           <a:p>
             <a:fld id="{E66BC72F-45A4-4885-98CF-CAA0E404D566}" type="datetimeFigureOut">
               <a:rPr lang="es-PE" smtClean="0"/>
-              <a:t>6/07/2023</a:t>
+              <a:t>2/11/2023</a:t>
             </a:fld>
             <a:endParaRPr lang="es-PE"/>
           </a:p>
@@ -1868,7 +1868,7 @@
           <a:p>
             <a:fld id="{E66BC72F-45A4-4885-98CF-CAA0E404D566}" type="datetimeFigureOut">
               <a:rPr lang="es-PE" smtClean="0"/>
-              <a:t>6/07/2023</a:t>
+              <a:t>2/11/2023</a:t>
             </a:fld>
             <a:endParaRPr lang="es-PE"/>
           </a:p>
@@ -2145,7 +2145,7 @@
           <a:p>
             <a:fld id="{E66BC72F-45A4-4885-98CF-CAA0E404D566}" type="datetimeFigureOut">
               <a:rPr lang="es-PE" smtClean="0"/>
-              <a:t>6/07/2023</a:t>
+              <a:t>2/11/2023</a:t>
             </a:fld>
             <a:endParaRPr lang="es-PE"/>
           </a:p>
@@ -2398,7 +2398,7 @@
           <a:p>
             <a:fld id="{E66BC72F-45A4-4885-98CF-CAA0E404D566}" type="datetimeFigureOut">
               <a:rPr lang="es-PE" smtClean="0"/>
-              <a:t>6/07/2023</a:t>
+              <a:t>2/11/2023</a:t>
             </a:fld>
             <a:endParaRPr lang="es-PE"/>
           </a:p>
@@ -2611,7 +2611,7 @@
           <a:p>
             <a:fld id="{E66BC72F-45A4-4885-98CF-CAA0E404D566}" type="datetimeFigureOut">
               <a:rPr lang="es-PE" smtClean="0"/>
-              <a:t>6/07/2023</a:t>
+              <a:t>2/11/2023</a:t>
             </a:fld>
             <a:endParaRPr lang="es-PE"/>
           </a:p>
